--- a/Engineering Economics/Inflation.pptx
+++ b/Engineering Economics/Inflation.pptx
@@ -31,6 +31,7 @@
     <p:sldId id="300" r:id="rId24"/>
     <p:sldId id="301" r:id="rId25"/>
     <p:sldId id="302" r:id="rId26"/>
+    <p:sldId id="319" r:id="rId27"/>
   </p:sldIdLst>
   <p:sldSz cx="9144000" cy="6858000" type="screen4x3"/>
   <p:notesSz cx="6858000" cy="9144000"/>
@@ -13980,6 +13981,100 @@
 </p:sld>
 </file>
 
+<file path=ppt/slides/slide24.xml><?xml version="1.0" encoding="utf-8"?>
+<p:sld xmlns:a="http://schemas.openxmlformats.org/drawingml/2006/main" xmlns:r="http://schemas.openxmlformats.org/officeDocument/2006/relationships" xmlns:p="http://schemas.openxmlformats.org/presentationml/2006/main">
+  <p:cSld>
+    <p:spTree>
+      <p:nvGrpSpPr>
+        <p:cNvPr id="1" name=""/>
+        <p:cNvGrpSpPr/>
+        <p:nvPr/>
+      </p:nvGrpSpPr>
+      <p:grpSpPr/>
+      <p:sp>
+        <p:nvSpPr>
+          <p:cNvPr id="2" name="Title 1"/>
+          <p:cNvSpPr>
+            <a:spLocks noGrp="1"/>
+          </p:cNvSpPr>
+          <p:nvPr>
+            <p:ph type="title"/>
+          </p:nvPr>
+        </p:nvSpPr>
+        <p:spPr>
+          <a:xfrm>
+            <a:off x="457200" y="75883"/>
+            <a:ext cx="8229600" cy="1143000"/>
+          </a:xfrm>
+        </p:spPr>
+        <p:txBody>
+          <a:bodyPr/>
+          <a:p>
+            <a:r>
+              <a:rPr lang="en-US"/>
+              <a:t>Example </a:t>
+            </a:r>
+            <a:endParaRPr lang="en-US"/>
+          </a:p>
+        </p:txBody>
+      </p:sp>
+      <p:sp>
+        <p:nvSpPr>
+          <p:cNvPr id="3" name="Content Placeholder 2"/>
+          <p:cNvSpPr>
+            <a:spLocks noGrp="1"/>
+          </p:cNvSpPr>
+          <p:nvPr>
+            <p:ph idx="1"/>
+          </p:nvPr>
+        </p:nvSpPr>
+        <p:spPr>
+          <a:xfrm>
+            <a:off x="533400" y="1295400"/>
+            <a:ext cx="8229600" cy="4708525"/>
+          </a:xfrm>
+        </p:spPr>
+        <p:txBody>
+          <a:bodyPr/>
+          <a:p>
+            <a:pPr algn="just"/>
+            <a:r>
+              <a:rPr lang="en-US" altLang="en-US">
+                <a:latin typeface="Times New Roman" panose="02020603050405020304" charset="0"/>
+                <a:cs typeface="Times New Roman" panose="02020603050405020304" charset="0"/>
+              </a:rPr>
+              <a:t>Suppose a 40-year old man is planning for his retirement. He plans to retire at the age of 60 and estimates that he can live comfortably on Rs. 40,000 per year in terms of today’s rupee value. Let us assume the average inflation rate for the next 30 years is 7% per year. This is only an assumption. He can invest his savings at 20%, compounded annually.</a:t>
+            </a:r>
+            <a:endParaRPr lang="en-US" altLang="en-US">
+              <a:latin typeface="Times New Roman" panose="02020603050405020304" charset="0"/>
+              <a:cs typeface="Times New Roman" panose="02020603050405020304" charset="0"/>
+            </a:endParaRPr>
+          </a:p>
+          <a:p>
+            <a:pPr algn="just"/>
+            <a:r>
+              <a:rPr lang="en-US" altLang="en-US">
+                <a:latin typeface="Times New Roman" panose="02020603050405020304" charset="0"/>
+                <a:cs typeface="Times New Roman" panose="02020603050405020304" charset="0"/>
+              </a:rPr>
+              <a:t>What equal amount should he save each year until he retires so that he can make withdrawals that will allow him to live as comfortably as he </a:t>
+            </a:r>
+            <a:r>
+              <a:rPr lang="en-US" altLang="en-US"/>
+              <a:t>desires for 10 years beyond his retirement?</a:t>
+            </a:r>
+            <a:endParaRPr lang="en-US" altLang="en-US"/>
+          </a:p>
+        </p:txBody>
+      </p:sp>
+    </p:spTree>
+  </p:cSld>
+  <p:clrMapOvr>
+    <a:masterClrMapping/>
+  </p:clrMapOvr>
+</p:sld>
+</file>
+
 <file path=ppt/slides/slide3.xml><?xml version="1.0" encoding="utf-8"?>
 <p:sld xmlns:a="http://schemas.openxmlformats.org/drawingml/2006/main" xmlns:r="http://schemas.openxmlformats.org/officeDocument/2006/relationships" xmlns:p="http://schemas.openxmlformats.org/presentationml/2006/main">
   <p:cSld>
